--- a/images/New Microsoft PowerPoint Presentation.pptx
+++ b/images/New Microsoft PowerPoint Presentation.pptx
@@ -244,7 +244,7 @@
           <a:p>
             <a:fld id="{748594B7-1FFA-4A2E-AA9E-5422633D15D3}" type="datetimeFigureOut">
               <a:rPr lang="en-US" smtClean="0"/>
-              <a:t>7/19/2021</a:t>
+              <a:t>7/21/2021</a:t>
             </a:fld>
             <a:endParaRPr lang="en-US"/>
           </a:p>
@@ -414,7 +414,7 @@
           <a:p>
             <a:fld id="{748594B7-1FFA-4A2E-AA9E-5422633D15D3}" type="datetimeFigureOut">
               <a:rPr lang="en-US" smtClean="0"/>
-              <a:t>7/19/2021</a:t>
+              <a:t>7/21/2021</a:t>
             </a:fld>
             <a:endParaRPr lang="en-US"/>
           </a:p>
@@ -594,7 +594,7 @@
           <a:p>
             <a:fld id="{748594B7-1FFA-4A2E-AA9E-5422633D15D3}" type="datetimeFigureOut">
               <a:rPr lang="en-US" smtClean="0"/>
-              <a:t>7/19/2021</a:t>
+              <a:t>7/21/2021</a:t>
             </a:fld>
             <a:endParaRPr lang="en-US"/>
           </a:p>
@@ -764,7 +764,7 @@
           <a:p>
             <a:fld id="{748594B7-1FFA-4A2E-AA9E-5422633D15D3}" type="datetimeFigureOut">
               <a:rPr lang="en-US" smtClean="0"/>
-              <a:t>7/19/2021</a:t>
+              <a:t>7/21/2021</a:t>
             </a:fld>
             <a:endParaRPr lang="en-US"/>
           </a:p>
@@ -1010,7 +1010,7 @@
           <a:p>
             <a:fld id="{748594B7-1FFA-4A2E-AA9E-5422633D15D3}" type="datetimeFigureOut">
               <a:rPr lang="en-US" smtClean="0"/>
-              <a:t>7/19/2021</a:t>
+              <a:t>7/21/2021</a:t>
             </a:fld>
             <a:endParaRPr lang="en-US"/>
           </a:p>
@@ -1242,7 +1242,7 @@
           <a:p>
             <a:fld id="{748594B7-1FFA-4A2E-AA9E-5422633D15D3}" type="datetimeFigureOut">
               <a:rPr lang="en-US" smtClean="0"/>
-              <a:t>7/19/2021</a:t>
+              <a:t>7/21/2021</a:t>
             </a:fld>
             <a:endParaRPr lang="en-US"/>
           </a:p>
@@ -1609,7 +1609,7 @@
           <a:p>
             <a:fld id="{748594B7-1FFA-4A2E-AA9E-5422633D15D3}" type="datetimeFigureOut">
               <a:rPr lang="en-US" smtClean="0"/>
-              <a:t>7/19/2021</a:t>
+              <a:t>7/21/2021</a:t>
             </a:fld>
             <a:endParaRPr lang="en-US"/>
           </a:p>
@@ -1727,7 +1727,7 @@
           <a:p>
             <a:fld id="{748594B7-1FFA-4A2E-AA9E-5422633D15D3}" type="datetimeFigureOut">
               <a:rPr lang="en-US" smtClean="0"/>
-              <a:t>7/19/2021</a:t>
+              <a:t>7/21/2021</a:t>
             </a:fld>
             <a:endParaRPr lang="en-US"/>
           </a:p>
@@ -1822,7 +1822,7 @@
           <a:p>
             <a:fld id="{748594B7-1FFA-4A2E-AA9E-5422633D15D3}" type="datetimeFigureOut">
               <a:rPr lang="en-US" smtClean="0"/>
-              <a:t>7/19/2021</a:t>
+              <a:t>7/21/2021</a:t>
             </a:fld>
             <a:endParaRPr lang="en-US"/>
           </a:p>
@@ -2099,7 +2099,7 @@
           <a:p>
             <a:fld id="{748594B7-1FFA-4A2E-AA9E-5422633D15D3}" type="datetimeFigureOut">
               <a:rPr lang="en-US" smtClean="0"/>
-              <a:t>7/19/2021</a:t>
+              <a:t>7/21/2021</a:t>
             </a:fld>
             <a:endParaRPr lang="en-US"/>
           </a:p>
@@ -2352,7 +2352,7 @@
           <a:p>
             <a:fld id="{748594B7-1FFA-4A2E-AA9E-5422633D15D3}" type="datetimeFigureOut">
               <a:rPr lang="en-US" smtClean="0"/>
-              <a:t>7/19/2021</a:t>
+              <a:t>7/21/2021</a:t>
             </a:fld>
             <a:endParaRPr lang="en-US"/>
           </a:p>
@@ -2565,7 +2565,7 @@
           <a:p>
             <a:fld id="{748594B7-1FFA-4A2E-AA9E-5422633D15D3}" type="datetimeFigureOut">
               <a:rPr lang="en-US" smtClean="0"/>
-              <a:t>7/19/2021</a:t>
+              <a:t>7/21/2021</a:t>
             </a:fld>
             <a:endParaRPr lang="en-US"/>
           </a:p>
@@ -3269,6 +3269,45 @@
           </a:prstGeom>
         </p:spPr>
       </p:pic>
+      <p:pic>
+        <p:nvPicPr>
+          <p:cNvPr id="3" name="Picture 2"/>
+          <p:cNvPicPr>
+            <a:picLocks noChangeAspect="1"/>
+          </p:cNvPicPr>
+          <p:nvPr/>
+        </p:nvPicPr>
+        <p:blipFill rotWithShape="1">
+          <a:blip r:embed="rId8" cstate="print">
+            <a:clrChange>
+              <a:clrFrom>
+                <a:srgbClr val="FFFFFF"/>
+              </a:clrFrom>
+              <a:clrTo>
+                <a:srgbClr val="FFFFFF">
+                  <a:alpha val="0"/>
+                </a:srgbClr>
+              </a:clrTo>
+            </a:clrChange>
+            <a:extLst>
+              <a:ext uri="{28A0092B-C50C-407E-A947-70E740481C1C}">
+                <a14:useLocalDpi xmlns:a14="http://schemas.microsoft.com/office/drawing/2010/main" val="0"/>
+              </a:ext>
+            </a:extLst>
+          </a:blip>
+          <a:srcRect l="16205" t="14546" r="20367"/>
+          <a:stretch/>
+        </p:blipFill>
+        <p:spPr>
+          <a:xfrm>
+            <a:off x="1014984" y="4050792"/>
+            <a:ext cx="2560320" cy="2578608"/>
+          </a:xfrm>
+          <a:prstGeom prst="rect">
+            <a:avLst/>
+          </a:prstGeom>
+        </p:spPr>
+      </p:pic>
     </p:spTree>
     <p:extLst>
       <p:ext uri="{BB962C8B-B14F-4D97-AF65-F5344CB8AC3E}">
